--- a/car_rental_dynamic_web_app/project_architecture.pptx
+++ b/car_rental_dynamic_web_app/project_architecture.pptx
@@ -261,7 +261,7 @@
           <a:p>
             <a:fld id="{F54911D9-D2AA-4002-8255-D6E718B0C755}" type="datetimeFigureOut">
               <a:rPr lang="pt-PT" smtClean="0"/>
-              <a:t>06/09/2024</a:t>
+              <a:t>26/02/2025</a:t>
             </a:fld>
             <a:endParaRPr lang="pt-PT"/>
           </a:p>
@@ -461,7 +461,7 @@
           <a:p>
             <a:fld id="{F54911D9-D2AA-4002-8255-D6E718B0C755}" type="datetimeFigureOut">
               <a:rPr lang="pt-PT" smtClean="0"/>
-              <a:t>06/09/2024</a:t>
+              <a:t>26/02/2025</a:t>
             </a:fld>
             <a:endParaRPr lang="pt-PT"/>
           </a:p>
@@ -671,7 +671,7 @@
           <a:p>
             <a:fld id="{F54911D9-D2AA-4002-8255-D6E718B0C755}" type="datetimeFigureOut">
               <a:rPr lang="pt-PT" smtClean="0"/>
-              <a:t>06/09/2024</a:t>
+              <a:t>26/02/2025</a:t>
             </a:fld>
             <a:endParaRPr lang="pt-PT"/>
           </a:p>
@@ -871,7 +871,7 @@
           <a:p>
             <a:fld id="{F54911D9-D2AA-4002-8255-D6E718B0C755}" type="datetimeFigureOut">
               <a:rPr lang="pt-PT" smtClean="0"/>
-              <a:t>06/09/2024</a:t>
+              <a:t>26/02/2025</a:t>
             </a:fld>
             <a:endParaRPr lang="pt-PT"/>
           </a:p>
@@ -1147,7 +1147,7 @@
           <a:p>
             <a:fld id="{F54911D9-D2AA-4002-8255-D6E718B0C755}" type="datetimeFigureOut">
               <a:rPr lang="pt-PT" smtClean="0"/>
-              <a:t>06/09/2024</a:t>
+              <a:t>26/02/2025</a:t>
             </a:fld>
             <a:endParaRPr lang="pt-PT"/>
           </a:p>
@@ -1415,7 +1415,7 @@
           <a:p>
             <a:fld id="{F54911D9-D2AA-4002-8255-D6E718B0C755}" type="datetimeFigureOut">
               <a:rPr lang="pt-PT" smtClean="0"/>
-              <a:t>06/09/2024</a:t>
+              <a:t>26/02/2025</a:t>
             </a:fld>
             <a:endParaRPr lang="pt-PT"/>
           </a:p>
@@ -1830,7 +1830,7 @@
           <a:p>
             <a:fld id="{F54911D9-D2AA-4002-8255-D6E718B0C755}" type="datetimeFigureOut">
               <a:rPr lang="pt-PT" smtClean="0"/>
-              <a:t>06/09/2024</a:t>
+              <a:t>26/02/2025</a:t>
             </a:fld>
             <a:endParaRPr lang="pt-PT"/>
           </a:p>
@@ -1972,7 +1972,7 @@
           <a:p>
             <a:fld id="{F54911D9-D2AA-4002-8255-D6E718B0C755}" type="datetimeFigureOut">
               <a:rPr lang="pt-PT" smtClean="0"/>
-              <a:t>06/09/2024</a:t>
+              <a:t>26/02/2025</a:t>
             </a:fld>
             <a:endParaRPr lang="pt-PT"/>
           </a:p>
@@ -2085,7 +2085,7 @@
           <a:p>
             <a:fld id="{F54911D9-D2AA-4002-8255-D6E718B0C755}" type="datetimeFigureOut">
               <a:rPr lang="pt-PT" smtClean="0"/>
-              <a:t>06/09/2024</a:t>
+              <a:t>26/02/2025</a:t>
             </a:fld>
             <a:endParaRPr lang="pt-PT"/>
           </a:p>
@@ -2398,7 +2398,7 @@
           <a:p>
             <a:fld id="{F54911D9-D2AA-4002-8255-D6E718B0C755}" type="datetimeFigureOut">
               <a:rPr lang="pt-PT" smtClean="0"/>
-              <a:t>06/09/2024</a:t>
+              <a:t>26/02/2025</a:t>
             </a:fld>
             <a:endParaRPr lang="pt-PT"/>
           </a:p>
@@ -2687,7 +2687,7 @@
           <a:p>
             <a:fld id="{F54911D9-D2AA-4002-8255-D6E718B0C755}" type="datetimeFigureOut">
               <a:rPr lang="pt-PT" smtClean="0"/>
-              <a:t>06/09/2024</a:t>
+              <a:t>26/02/2025</a:t>
             </a:fld>
             <a:endParaRPr lang="pt-PT"/>
           </a:p>
@@ -2930,7 +2930,7 @@
           <a:p>
             <a:fld id="{F54911D9-D2AA-4002-8255-D6E718B0C755}" type="datetimeFigureOut">
               <a:rPr lang="pt-PT" smtClean="0"/>
-              <a:t>06/09/2024</a:t>
+              <a:t>26/02/2025</a:t>
             </a:fld>
             <a:endParaRPr lang="pt-PT"/>
           </a:p>
@@ -7225,52 +7225,6 @@
           </a:p>
         </p:txBody>
       </p:sp>
-      <p:cxnSp>
-        <p:nvCxnSpPr>
-          <p:cNvPr id="173" name="Straight Arrow Connector 172" descr="Double headed arrow.">
-            <a:extLst>
-              <a:ext uri="{FF2B5EF4-FFF2-40B4-BE49-F238E27FC236}">
-                <a16:creationId xmlns:a16="http://schemas.microsoft.com/office/drawing/2014/main" id="{32F8CB0A-FDAD-45DB-AACF-BD1AFF57483C}"/>
-              </a:ext>
-            </a:extLst>
-          </p:cNvPr>
-          <p:cNvCxnSpPr>
-            <a:cxnSpLocks/>
-            <a:stCxn id="49" idx="3"/>
-          </p:cNvCxnSpPr>
-          <p:nvPr/>
-        </p:nvCxnSpPr>
-        <p:spPr>
-          <a:xfrm>
-            <a:off x="1465202" y="4106994"/>
-            <a:ext cx="1032276" cy="7794"/>
-          </a:xfrm>
-          <a:prstGeom prst="straightConnector1">
-            <a:avLst/>
-          </a:prstGeom>
-          <a:ln w="15875">
-            <a:solidFill>
-              <a:schemeClr val="tx1"/>
-            </a:solidFill>
-            <a:headEnd type="arrow" w="med" len="sm"/>
-            <a:tailEnd type="arrow" w="med" len="sm"/>
-          </a:ln>
-        </p:spPr>
-        <p:style>
-          <a:lnRef idx="1">
-            <a:schemeClr val="accent1"/>
-          </a:lnRef>
-          <a:fillRef idx="0">
-            <a:schemeClr val="accent1"/>
-          </a:fillRef>
-          <a:effectRef idx="0">
-            <a:schemeClr val="accent1"/>
-          </a:effectRef>
-          <a:fontRef idx="minor">
-            <a:schemeClr val="tx1"/>
-          </a:fontRef>
-        </p:style>
-      </p:cxnSp>
       <p:sp>
         <p:nvSpPr>
           <p:cNvPr id="174" name="Freeform 60" descr="Ninety degree arrow pointing up to the left.">
@@ -7812,8 +7766,8 @@
         </p:nvCxnSpPr>
         <p:spPr>
           <a:xfrm flipH="1">
-            <a:off x="3683515" y="4172165"/>
-            <a:ext cx="876957" cy="0"/>
+            <a:off x="3638550" y="4172165"/>
+            <a:ext cx="921923" cy="0"/>
           </a:xfrm>
           <a:prstGeom prst="straightConnector1">
             <a:avLst/>
@@ -7857,8 +7811,8 @@
         </p:nvCxnSpPr>
         <p:spPr>
           <a:xfrm flipH="1">
-            <a:off x="3683515" y="4013638"/>
-            <a:ext cx="876956" cy="0"/>
+            <a:off x="3638550" y="4013638"/>
+            <a:ext cx="921921" cy="0"/>
           </a:xfrm>
           <a:prstGeom prst="straightConnector1">
             <a:avLst/>
@@ -9334,6 +9288,105 @@
               </a:rPr>
               <a:t>IAM Role</a:t>
             </a:r>
+          </a:p>
+        </p:txBody>
+      </p:sp>
+      <p:cxnSp>
+        <p:nvCxnSpPr>
+          <p:cNvPr id="91" name="Straight Arrow Connector 90" descr="Right arrow.">
+            <a:extLst>
+              <a:ext uri="{FF2B5EF4-FFF2-40B4-BE49-F238E27FC236}">
+                <a16:creationId xmlns:a16="http://schemas.microsoft.com/office/drawing/2014/main" id="{D6AE4E54-982C-4EEA-9B76-764ECAA7692B}"/>
+              </a:ext>
+            </a:extLst>
+          </p:cNvPr>
+          <p:cNvCxnSpPr>
+            <a:cxnSpLocks/>
+          </p:cNvCxnSpPr>
+          <p:nvPr/>
+        </p:nvCxnSpPr>
+        <p:spPr>
+          <a:xfrm>
+            <a:off x="1521121" y="4115703"/>
+            <a:ext cx="915219" cy="0"/>
+          </a:xfrm>
+          <a:prstGeom prst="straightConnector1">
+            <a:avLst/>
+          </a:prstGeom>
+          <a:ln w="15875">
+            <a:solidFill>
+              <a:schemeClr val="tx1"/>
+            </a:solidFill>
+            <a:headEnd type="none" w="med" len="sm"/>
+            <a:tailEnd type="arrow" w="med" len="sm"/>
+          </a:ln>
+        </p:spPr>
+        <p:style>
+          <a:lnRef idx="1">
+            <a:schemeClr val="accent1"/>
+          </a:lnRef>
+          <a:fillRef idx="0">
+            <a:schemeClr val="accent1"/>
+          </a:fillRef>
+          <a:effectRef idx="0">
+            <a:schemeClr val="accent1"/>
+          </a:effectRef>
+          <a:fontRef idx="minor">
+            <a:schemeClr val="tx1"/>
+          </a:fontRef>
+        </p:style>
+      </p:cxnSp>
+      <p:sp>
+        <p:nvSpPr>
+          <p:cNvPr id="4" name="Rectangle 3">
+            <a:extLst>
+              <a:ext uri="{FF2B5EF4-FFF2-40B4-BE49-F238E27FC236}">
+                <a16:creationId xmlns:a16="http://schemas.microsoft.com/office/drawing/2014/main" id="{EE8D00A6-7C40-4739-9FB9-F77F6D23006C}"/>
+              </a:ext>
+            </a:extLst>
+          </p:cNvPr>
+          <p:cNvSpPr/>
+          <p:nvPr/>
+        </p:nvSpPr>
+        <p:spPr>
+          <a:xfrm>
+            <a:off x="3624245" y="3939590"/>
+            <a:ext cx="87878" cy="312230"/>
+          </a:xfrm>
+          <a:prstGeom prst="rect">
+            <a:avLst/>
+          </a:prstGeom>
+          <a:solidFill>
+            <a:schemeClr val="bg1"/>
+          </a:solidFill>
+          <a:ln>
+            <a:solidFill>
+              <a:schemeClr val="bg1"/>
+            </a:solidFill>
+          </a:ln>
+        </p:spPr>
+        <p:style>
+          <a:lnRef idx="2">
+            <a:schemeClr val="accent1">
+              <a:shade val="50000"/>
+            </a:schemeClr>
+          </a:lnRef>
+          <a:fillRef idx="1">
+            <a:schemeClr val="accent1"/>
+          </a:fillRef>
+          <a:effectRef idx="0">
+            <a:schemeClr val="accent1"/>
+          </a:effectRef>
+          <a:fontRef idx="minor">
+            <a:schemeClr val="lt1"/>
+          </a:fontRef>
+        </p:style>
+        <p:txBody>
+          <a:bodyPr rtlCol="0" anchor="ctr"/>
+          <a:lstStyle/>
+          <a:p>
+            <a:pPr algn="ctr"/>
+            <a:endParaRPr lang="pt-PT"/>
           </a:p>
         </p:txBody>
       </p:sp>
